--- a/architecture/Azure_data_proc_demo_Env.pptx
+++ b/architecture/Azure_data_proc_demo_Env.pptx
@@ -112,14 +112,18 @@
       </a:defRPr>
     </a:lvl9pPr>
   </p:defaultTextStyle>
+  <p:extLst>
+    <p:ext uri="{EFAFB233-063F-42B5-8137-9DF3F51BA10A}">
+      <p15:sldGuideLst xmlns:p15="http://schemas.microsoft.com/office/powerpoint/2012/main"/>
+    </p:ext>
+  </p:extLst>
 </p:presentation>
 </file>
 
 <file path=ppt/revisionInfo.xml><?xml version="1.0" encoding="utf-8"?>
 <p1510:revInfo xmlns:a="http://schemas.openxmlformats.org/drawingml/2006/main" xmlns:r="http://schemas.openxmlformats.org/officeDocument/2006/relationships" xmlns:p1510="http://schemas.microsoft.com/office/powerpoint/2015/10/main">
   <p1510:revLst>
-    <p1510:client id="{F6FB60AA-BB44-4C6B-8D19-5E6C1A039180}" v="37" dt="2018-09-04T22:39:25.463"/>
-    <p1510:client id="{B7198445-2086-4822-8089-12B4A03D8AA0}" v="539" dt="2018-09-05T08:38:12.423"/>
+    <p1510:client id="{4A413B49-4F84-49D1-8799-FB7EE1D01EF2}" v="1" dt="2018-09-07T22:50:06.987"/>
   </p1510:revLst>
 </p1510:revInfo>
 </file>
@@ -748,13 +752,6 @@
           </ac:cxnSpMkLst>
         </pc:cxnChg>
       </pc:sldChg>
-      <pc:sldChg chg="add del">
-        <pc:chgData name="Hyun Suk Shin (MTC SEATTLE)" userId="066a5242-16bf-4435-a097-69b4e8274bba" providerId="ADAL" clId="{B7198445-2086-4822-8089-12B4A03D8AA0}" dt="2018-09-05T02:37:13.332" v="411" actId="2696"/>
-        <pc:sldMkLst>
-          <pc:docMk/>
-          <pc:sldMk cId="1647938339" sldId="257"/>
-        </pc:sldMkLst>
-      </pc:sldChg>
       <pc:sldChg chg="addSp delSp modSp add ord">
         <pc:chgData name="Hyun Suk Shin (MTC SEATTLE)" userId="066a5242-16bf-4435-a097-69b4e8274bba" providerId="ADAL" clId="{B7198445-2086-4822-8089-12B4A03D8AA0}" dt="2018-09-05T08:38:12.423" v="522" actId="12788"/>
         <pc:sldMkLst>
@@ -1334,13 +1331,6 @@
             <ac:picMk id="7" creationId="{2CB714B0-0D14-4124-A126-B43621177B0C}"/>
           </ac:picMkLst>
         </pc:picChg>
-      </pc:sldChg>
-      <pc:sldChg chg="add del">
-        <pc:chgData name="Hyun Suk Shin (MTC SEATTLE)" userId="066a5242-16bf-4435-a097-69b4e8274bba" providerId="ADAL" clId="{B7198445-2086-4822-8089-12B4A03D8AA0}" dt="2018-09-05T02:39:30.336" v="442"/>
-        <pc:sldMkLst>
-          <pc:docMk/>
-          <pc:sldMk cId="2921408608" sldId="260"/>
-        </pc:sldMkLst>
       </pc:sldChg>
       <pc:sldChg chg="addSp delSp modSp add">
         <pc:chgData name="Hyun Suk Shin (MTC SEATTLE)" userId="066a5242-16bf-4435-a097-69b4e8274bba" providerId="ADAL" clId="{B7198445-2086-4822-8089-12B4A03D8AA0}" dt="2018-09-05T08:38:01.389" v="520"/>
@@ -1641,6 +1631,30 @@
             <ac:picMk id="15" creationId="{20E296BD-F00A-4A5F-8C0D-97880CC9C344}"/>
           </ac:picMkLst>
         </pc:picChg>
+      </pc:sldChg>
+    </pc:docChg>
+  </pc:docChgLst>
+  <pc:docChgLst>
+    <pc:chgData name="Hyun Suk Shin (MTC SEATTLE)" userId="066a5242-16bf-4435-a097-69b4e8274bba" providerId="ADAL" clId="{4A413B49-4F84-49D1-8799-FB7EE1D01EF2}"/>
+    <pc:docChg chg="custSel modSld">
+      <pc:chgData name="Hyun Suk Shin (MTC SEATTLE)" userId="066a5242-16bf-4435-a097-69b4e8274bba" providerId="ADAL" clId="{4A413B49-4F84-49D1-8799-FB7EE1D01EF2}" dt="2018-09-07T22:50:06.988" v="0" actId="478"/>
+      <pc:docMkLst>
+        <pc:docMk/>
+      </pc:docMkLst>
+      <pc:sldChg chg="delSp">
+        <pc:chgData name="Hyun Suk Shin (MTC SEATTLE)" userId="066a5242-16bf-4435-a097-69b4e8274bba" providerId="ADAL" clId="{4A413B49-4F84-49D1-8799-FB7EE1D01EF2}" dt="2018-09-07T22:50:06.988" v="0" actId="478"/>
+        <pc:sldMkLst>
+          <pc:docMk/>
+          <pc:sldMk cId="215860997" sldId="258"/>
+        </pc:sldMkLst>
+        <pc:spChg chg="del">
+          <ac:chgData name="Hyun Suk Shin (MTC SEATTLE)" userId="066a5242-16bf-4435-a097-69b4e8274bba" providerId="ADAL" clId="{4A413B49-4F84-49D1-8799-FB7EE1D01EF2}" dt="2018-09-07T22:50:06.988" v="0" actId="478"/>
+          <ac:spMkLst>
+            <pc:docMk/>
+            <pc:sldMk cId="215860997" sldId="258"/>
+            <ac:spMk id="53" creationId="{84409B85-C1EA-4078-A864-7E05ACF9E8D0}"/>
+          </ac:spMkLst>
+        </pc:spChg>
       </pc:sldChg>
     </pc:docChg>
   </pc:docChgLst>
@@ -2897,7 +2911,7 @@
           <a:p>
             <a:fld id="{6CD241EB-B125-4962-BC57-7E3E117DA09A}" type="datetimeFigureOut">
               <a:rPr lang="en-US" smtClean="0"/>
-              <a:t>9/5/2018</a:t>
+              <a:t>9/7/2018</a:t>
             </a:fld>
             <a:endParaRPr lang="en-US"/>
           </a:p>
@@ -8257,53 +8271,6 @@
       </p:sp>
       <p:sp>
         <p:nvSpPr>
-          <p:cNvPr id="53" name="Rectangle: Rounded Corners 52">
-            <a:extLst>
-              <a:ext uri="{FF2B5EF4-FFF2-40B4-BE49-F238E27FC236}">
-                <a16:creationId xmlns:a16="http://schemas.microsoft.com/office/drawing/2014/main" id="{84409B85-C1EA-4078-A864-7E05ACF9E8D0}"/>
-              </a:ext>
-            </a:extLst>
-          </p:cNvPr>
-          <p:cNvSpPr/>
-          <p:nvPr/>
-        </p:nvSpPr>
-        <p:spPr>
-          <a:xfrm>
-            <a:off x="419437" y="726256"/>
-            <a:ext cx="11353126" cy="5057522"/>
-          </a:xfrm>
-          <a:prstGeom prst="roundRect">
-            <a:avLst/>
-          </a:prstGeom>
-          <a:noFill/>
-        </p:spPr>
-        <p:style>
-          <a:lnRef idx="2">
-            <a:schemeClr val="accent1">
-              <a:shade val="50000"/>
-            </a:schemeClr>
-          </a:lnRef>
-          <a:fillRef idx="1">
-            <a:schemeClr val="accent1"/>
-          </a:fillRef>
-          <a:effectRef idx="0">
-            <a:schemeClr val="accent1"/>
-          </a:effectRef>
-          <a:fontRef idx="minor">
-            <a:schemeClr val="lt1"/>
-          </a:fontRef>
-        </p:style>
-        <p:txBody>
-          <a:bodyPr rtlCol="0" anchor="ctr"/>
-          <a:lstStyle/>
-          <a:p>
-            <a:pPr algn="ctr"/>
-            <a:endParaRPr lang="en-US"/>
-          </a:p>
-        </p:txBody>
-      </p:sp>
-      <p:sp>
-        <p:nvSpPr>
           <p:cNvPr id="2" name="Rectangle 1">
             <a:extLst>
               <a:ext uri="{FF2B5EF4-FFF2-40B4-BE49-F238E27FC236}">
